--- a/T4. Asynchronous programming/Threading/Demo.pptx
+++ b/T4. Asynchronous programming/Threading/Demo.pptx
@@ -5,7 +5,7 @@
     <p:sldMasterId id="2147483648" r:id="rId1"/>
   </p:sldMasterIdLst>
   <p:notesMasterIdLst>
-    <p:notesMasterId r:id="rId25"/>
+    <p:notesMasterId r:id="rId24"/>
   </p:notesMasterIdLst>
   <p:sldIdLst>
     <p:sldId id="258" r:id="rId2"/>
@@ -18,19 +18,18 @@
     <p:sldId id="266" r:id="rId9"/>
     <p:sldId id="267" r:id="rId10"/>
     <p:sldId id="268" r:id="rId11"/>
-    <p:sldId id="269" r:id="rId12"/>
-    <p:sldId id="270" r:id="rId13"/>
-    <p:sldId id="271" r:id="rId14"/>
-    <p:sldId id="272" r:id="rId15"/>
-    <p:sldId id="273" r:id="rId16"/>
-    <p:sldId id="274" r:id="rId17"/>
-    <p:sldId id="275" r:id="rId18"/>
-    <p:sldId id="276" r:id="rId19"/>
-    <p:sldId id="277" r:id="rId20"/>
-    <p:sldId id="278" r:id="rId21"/>
-    <p:sldId id="279" r:id="rId22"/>
-    <p:sldId id="280" r:id="rId23"/>
-    <p:sldId id="281" r:id="rId24"/>
+    <p:sldId id="270" r:id="rId12"/>
+    <p:sldId id="271" r:id="rId13"/>
+    <p:sldId id="272" r:id="rId14"/>
+    <p:sldId id="273" r:id="rId15"/>
+    <p:sldId id="274" r:id="rId16"/>
+    <p:sldId id="275" r:id="rId17"/>
+    <p:sldId id="276" r:id="rId18"/>
+    <p:sldId id="277" r:id="rId19"/>
+    <p:sldId id="278" r:id="rId20"/>
+    <p:sldId id="279" r:id="rId21"/>
+    <p:sldId id="280" r:id="rId22"/>
+    <p:sldId id="281" r:id="rId23"/>
   </p:sldIdLst>
   <p:sldSz cx="12192000" cy="6858000"/>
   <p:notesSz cx="6858000" cy="9144000"/>
@@ -219,7 +218,7 @@
           <a:p>
             <a:fld id="{C6576F63-835E-46F5-AEB3-90A06FD74112}" type="datetimeFigureOut">
               <a:rPr lang="en-US" smtClean="0"/>
-              <a:t>8/27/2018</a:t>
+              <a:t>8/28/2018</a:t>
             </a:fld>
             <a:endParaRPr lang="en-US"/>
           </a:p>
@@ -625,18 +624,7 @@
           <a:bodyPr/>
           <a:lstStyle/>
           <a:p>
-            <a:r>
-              <a:rPr lang="en-US" dirty="0"/>
-              <a:t>Old python 2.x code. Run and </a:t>
-            </a:r>
-            <a:r>
-              <a:rPr lang="en-US" dirty="0" err="1"/>
-              <a:t>init</a:t>
-            </a:r>
-            <a:r>
-              <a:rPr lang="en-US" dirty="0"/>
-              <a:t> methods can be overwritten only</a:t>
-            </a:r>
+            <a:endParaRPr lang="en-US" dirty="0"/>
           </a:p>
         </p:txBody>
       </p:sp>
@@ -666,7 +654,7 @@
     </p:spTree>
     <p:extLst>
       <p:ext uri="{BB962C8B-B14F-4D97-AF65-F5344CB8AC3E}">
-        <p14:creationId xmlns:p14="http://schemas.microsoft.com/office/powerpoint/2010/main" val="658730427"/>
+        <p14:creationId xmlns:p14="http://schemas.microsoft.com/office/powerpoint/2010/main" val="3788907472"/>
       </p:ext>
     </p:extLst>
   </p:cSld>
@@ -720,18 +708,7 @@
           <a:bodyPr/>
           <a:lstStyle/>
           <a:p>
-            <a:r>
-              <a:rPr lang="en-US" dirty="0"/>
-              <a:t>Old python 2.x code. Run and </a:t>
-            </a:r>
-            <a:r>
-              <a:rPr lang="en-US" dirty="0" err="1"/>
-              <a:t>init</a:t>
-            </a:r>
-            <a:r>
-              <a:rPr lang="en-US" dirty="0"/>
-              <a:t> methods can be overwritten only</a:t>
-            </a:r>
+            <a:endParaRPr lang="en-US" dirty="0"/>
           </a:p>
         </p:txBody>
       </p:sp>
@@ -761,7 +738,7 @@
     </p:spTree>
     <p:extLst>
       <p:ext uri="{BB962C8B-B14F-4D97-AF65-F5344CB8AC3E}">
-        <p14:creationId xmlns:p14="http://schemas.microsoft.com/office/powerpoint/2010/main" val="3788907472"/>
+        <p14:creationId xmlns:p14="http://schemas.microsoft.com/office/powerpoint/2010/main" val="4228051582"/>
       </p:ext>
     </p:extLst>
   </p:cSld>
@@ -815,18 +792,7 @@
           <a:bodyPr/>
           <a:lstStyle/>
           <a:p>
-            <a:r>
-              <a:rPr lang="en-US" dirty="0"/>
-              <a:t>Old python 2.x code. Run and </a:t>
-            </a:r>
-            <a:r>
-              <a:rPr lang="en-US" dirty="0" err="1"/>
-              <a:t>init</a:t>
-            </a:r>
-            <a:r>
-              <a:rPr lang="en-US" dirty="0"/>
-              <a:t> methods can be overwritten only</a:t>
-            </a:r>
+            <a:endParaRPr lang="en-US" dirty="0"/>
           </a:p>
         </p:txBody>
       </p:sp>
@@ -856,7 +822,7 @@
     </p:spTree>
     <p:extLst>
       <p:ext uri="{BB962C8B-B14F-4D97-AF65-F5344CB8AC3E}">
-        <p14:creationId xmlns:p14="http://schemas.microsoft.com/office/powerpoint/2010/main" val="4228051582"/>
+        <p14:creationId xmlns:p14="http://schemas.microsoft.com/office/powerpoint/2010/main" val="729850878"/>
       </p:ext>
     </p:extLst>
   </p:cSld>
@@ -910,18 +876,7 @@
           <a:bodyPr/>
           <a:lstStyle/>
           <a:p>
-            <a:r>
-              <a:rPr lang="en-US" dirty="0"/>
-              <a:t>Old python 2.x code. Run and </a:t>
-            </a:r>
-            <a:r>
-              <a:rPr lang="en-US" dirty="0" err="1"/>
-              <a:t>init</a:t>
-            </a:r>
-            <a:r>
-              <a:rPr lang="en-US" dirty="0"/>
-              <a:t> methods can be overwritten only</a:t>
-            </a:r>
+            <a:endParaRPr lang="en-US" dirty="0"/>
           </a:p>
         </p:txBody>
       </p:sp>
@@ -943,101 +898,6 @@
             <a:fld id="{F620B9DD-4E80-470F-B438-047D7BDD8590}" type="slidenum">
               <a:rPr lang="en-US" smtClean="0"/>
               <a:t>22</a:t>
-            </a:fld>
-            <a:endParaRPr lang="en-US"/>
-          </a:p>
-        </p:txBody>
-      </p:sp>
-    </p:spTree>
-    <p:extLst>
-      <p:ext uri="{BB962C8B-B14F-4D97-AF65-F5344CB8AC3E}">
-        <p14:creationId xmlns:p14="http://schemas.microsoft.com/office/powerpoint/2010/main" val="729850878"/>
-      </p:ext>
-    </p:extLst>
-  </p:cSld>
-  <p:clrMapOvr>
-    <a:masterClrMapping/>
-  </p:clrMapOvr>
-</p:notes>
-</file>
-
-<file path=ppt/notesSlides/notesSlide14.xml><?xml version="1.0" encoding="utf-8"?>
-<p:notes xmlns:a="http://schemas.openxmlformats.org/drawingml/2006/main" xmlns:r="http://schemas.openxmlformats.org/officeDocument/2006/relationships" xmlns:p="http://schemas.openxmlformats.org/presentationml/2006/main">
-  <p:cSld>
-    <p:spTree>
-      <p:nvGrpSpPr>
-        <p:cNvPr id="1" name=""/>
-        <p:cNvGrpSpPr/>
-        <p:nvPr/>
-      </p:nvGrpSpPr>
-      <p:grpSpPr>
-        <a:xfrm>
-          <a:off x="0" y="0"/>
-          <a:ext cx="0" cy="0"/>
-          <a:chOff x="0" y="0"/>
-          <a:chExt cx="0" cy="0"/>
-        </a:xfrm>
-      </p:grpSpPr>
-      <p:sp>
-        <p:nvSpPr>
-          <p:cNvPr id="2" name="Slide Image Placeholder 1"/>
-          <p:cNvSpPr>
-            <a:spLocks noGrp="1" noRot="1" noChangeAspect="1"/>
-          </p:cNvSpPr>
-          <p:nvPr>
-            <p:ph type="sldImg"/>
-          </p:nvPr>
-        </p:nvSpPr>
-        <p:spPr/>
-      </p:sp>
-      <p:sp>
-        <p:nvSpPr>
-          <p:cNvPr id="3" name="Notes Placeholder 2"/>
-          <p:cNvSpPr>
-            <a:spLocks noGrp="1"/>
-          </p:cNvSpPr>
-          <p:nvPr>
-            <p:ph type="body" idx="1"/>
-          </p:nvPr>
-        </p:nvSpPr>
-        <p:spPr/>
-        <p:txBody>
-          <a:bodyPr/>
-          <a:lstStyle/>
-          <a:p>
-            <a:r>
-              <a:rPr lang="en-US" dirty="0"/>
-              <a:t>Old python 2.x code. Run and </a:t>
-            </a:r>
-            <a:r>
-              <a:rPr lang="en-US" dirty="0" err="1"/>
-              <a:t>init</a:t>
-            </a:r>
-            <a:r>
-              <a:rPr lang="en-US" dirty="0"/>
-              <a:t> methods can be overwritten only</a:t>
-            </a:r>
-          </a:p>
-        </p:txBody>
-      </p:sp>
-      <p:sp>
-        <p:nvSpPr>
-          <p:cNvPr id="4" name="Slide Number Placeholder 3"/>
-          <p:cNvSpPr>
-            <a:spLocks noGrp="1"/>
-          </p:cNvSpPr>
-          <p:nvPr>
-            <p:ph type="sldNum" sz="quarter" idx="5"/>
-          </p:nvPr>
-        </p:nvSpPr>
-        <p:spPr/>
-        <p:txBody>
-          <a:bodyPr/>
-          <a:lstStyle/>
-          <a:p>
-            <a:fld id="{F620B9DD-4E80-470F-B438-047D7BDD8590}" type="slidenum">
-              <a:rPr lang="en-US" smtClean="0"/>
-              <a:t>23</a:t>
             </a:fld>
             <a:endParaRPr lang="en-US"/>
           </a:p>
@@ -1141,7 +1001,7 @@
     </p:spTree>
     <p:extLst>
       <p:ext uri="{BB962C8B-B14F-4D97-AF65-F5344CB8AC3E}">
-        <p14:creationId xmlns:p14="http://schemas.microsoft.com/office/powerpoint/2010/main" val="4189844230"/>
+        <p14:creationId xmlns:p14="http://schemas.microsoft.com/office/powerpoint/2010/main" val="2236043379"/>
       </p:ext>
     </p:extLst>
   </p:cSld>
@@ -1236,7 +1096,7 @@
     </p:spTree>
     <p:extLst>
       <p:ext uri="{BB962C8B-B14F-4D97-AF65-F5344CB8AC3E}">
-        <p14:creationId xmlns:p14="http://schemas.microsoft.com/office/powerpoint/2010/main" val="2236043379"/>
+        <p14:creationId xmlns:p14="http://schemas.microsoft.com/office/powerpoint/2010/main" val="1362426058"/>
       </p:ext>
     </p:extLst>
   </p:cSld>
@@ -1290,18 +1150,7 @@
           <a:bodyPr/>
           <a:lstStyle/>
           <a:p>
-            <a:r>
-              <a:rPr lang="en-US" dirty="0"/>
-              <a:t>Old python 2.x code. Run and </a:t>
-            </a:r>
-            <a:r>
-              <a:rPr lang="en-US" dirty="0" err="1"/>
-              <a:t>init</a:t>
-            </a:r>
-            <a:r>
-              <a:rPr lang="en-US" dirty="0"/>
-              <a:t> methods can be overwritten only</a:t>
-            </a:r>
+            <a:endParaRPr lang="en-US" dirty="0"/>
           </a:p>
         </p:txBody>
       </p:sp>
@@ -1331,7 +1180,7 @@
     </p:spTree>
     <p:extLst>
       <p:ext uri="{BB962C8B-B14F-4D97-AF65-F5344CB8AC3E}">
-        <p14:creationId xmlns:p14="http://schemas.microsoft.com/office/powerpoint/2010/main" val="1362426058"/>
+        <p14:creationId xmlns:p14="http://schemas.microsoft.com/office/powerpoint/2010/main" val="2995324185"/>
       </p:ext>
     </p:extLst>
   </p:cSld>
@@ -1385,18 +1234,7 @@
           <a:bodyPr/>
           <a:lstStyle/>
           <a:p>
-            <a:r>
-              <a:rPr lang="en-US" dirty="0"/>
-              <a:t>Old python 2.x code. Run and </a:t>
-            </a:r>
-            <a:r>
-              <a:rPr lang="en-US" dirty="0" err="1"/>
-              <a:t>init</a:t>
-            </a:r>
-            <a:r>
-              <a:rPr lang="en-US" dirty="0"/>
-              <a:t> methods can be overwritten only</a:t>
-            </a:r>
+            <a:endParaRPr lang="en-US" dirty="0"/>
           </a:p>
         </p:txBody>
       </p:sp>
@@ -1426,7 +1264,7 @@
     </p:spTree>
     <p:extLst>
       <p:ext uri="{BB962C8B-B14F-4D97-AF65-F5344CB8AC3E}">
-        <p14:creationId xmlns:p14="http://schemas.microsoft.com/office/powerpoint/2010/main" val="2995324185"/>
+        <p14:creationId xmlns:p14="http://schemas.microsoft.com/office/powerpoint/2010/main" val="4029698435"/>
       </p:ext>
     </p:extLst>
   </p:cSld>
@@ -1480,18 +1318,7 @@
           <a:bodyPr/>
           <a:lstStyle/>
           <a:p>
-            <a:r>
-              <a:rPr lang="en-US" dirty="0"/>
-              <a:t>Old python 2.x code. Run and </a:t>
-            </a:r>
-            <a:r>
-              <a:rPr lang="en-US" dirty="0" err="1"/>
-              <a:t>init</a:t>
-            </a:r>
-            <a:r>
-              <a:rPr lang="en-US" dirty="0"/>
-              <a:t> methods can be overwritten only</a:t>
-            </a:r>
+            <a:endParaRPr lang="en-US" dirty="0"/>
           </a:p>
         </p:txBody>
       </p:sp>
@@ -1521,7 +1348,7 @@
     </p:spTree>
     <p:extLst>
       <p:ext uri="{BB962C8B-B14F-4D97-AF65-F5344CB8AC3E}">
-        <p14:creationId xmlns:p14="http://schemas.microsoft.com/office/powerpoint/2010/main" val="4029698435"/>
+        <p14:creationId xmlns:p14="http://schemas.microsoft.com/office/powerpoint/2010/main" val="890644973"/>
       </p:ext>
     </p:extLst>
   </p:cSld>
@@ -1575,18 +1402,7 @@
           <a:bodyPr/>
           <a:lstStyle/>
           <a:p>
-            <a:r>
-              <a:rPr lang="en-US" dirty="0"/>
-              <a:t>Old python 2.x code. Run and </a:t>
-            </a:r>
-            <a:r>
-              <a:rPr lang="en-US" dirty="0" err="1"/>
-              <a:t>init</a:t>
-            </a:r>
-            <a:r>
-              <a:rPr lang="en-US" dirty="0"/>
-              <a:t> methods can be overwritten only</a:t>
-            </a:r>
+            <a:endParaRPr lang="en-US" dirty="0"/>
           </a:p>
         </p:txBody>
       </p:sp>
@@ -1616,7 +1432,7 @@
     </p:spTree>
     <p:extLst>
       <p:ext uri="{BB962C8B-B14F-4D97-AF65-F5344CB8AC3E}">
-        <p14:creationId xmlns:p14="http://schemas.microsoft.com/office/powerpoint/2010/main" val="890644973"/>
+        <p14:creationId xmlns:p14="http://schemas.microsoft.com/office/powerpoint/2010/main" val="329236787"/>
       </p:ext>
     </p:extLst>
   </p:cSld>
@@ -1670,18 +1486,7 @@
           <a:bodyPr/>
           <a:lstStyle/>
           <a:p>
-            <a:r>
-              <a:rPr lang="en-US" dirty="0"/>
-              <a:t>Old python 2.x code. Run and </a:t>
-            </a:r>
-            <a:r>
-              <a:rPr lang="en-US" dirty="0" err="1"/>
-              <a:t>init</a:t>
-            </a:r>
-            <a:r>
-              <a:rPr lang="en-US" dirty="0"/>
-              <a:t> methods can be overwritten only</a:t>
-            </a:r>
+            <a:endParaRPr lang="en-US" dirty="0"/>
           </a:p>
         </p:txBody>
       </p:sp>
@@ -1711,7 +1516,7 @@
     </p:spTree>
     <p:extLst>
       <p:ext uri="{BB962C8B-B14F-4D97-AF65-F5344CB8AC3E}">
-        <p14:creationId xmlns:p14="http://schemas.microsoft.com/office/powerpoint/2010/main" val="329236787"/>
+        <p14:creationId xmlns:p14="http://schemas.microsoft.com/office/powerpoint/2010/main" val="2651340778"/>
       </p:ext>
     </p:extLst>
   </p:cSld>
@@ -1765,18 +1570,7 @@
           <a:bodyPr/>
           <a:lstStyle/>
           <a:p>
-            <a:r>
-              <a:rPr lang="en-US" dirty="0"/>
-              <a:t>Old python 2.x code. Run and </a:t>
-            </a:r>
-            <a:r>
-              <a:rPr lang="en-US" dirty="0" err="1"/>
-              <a:t>init</a:t>
-            </a:r>
-            <a:r>
-              <a:rPr lang="en-US" dirty="0"/>
-              <a:t> methods can be overwritten only</a:t>
-            </a:r>
+            <a:endParaRPr lang="en-US" dirty="0"/>
           </a:p>
         </p:txBody>
       </p:sp>
@@ -1806,7 +1600,7 @@
     </p:spTree>
     <p:extLst>
       <p:ext uri="{BB962C8B-B14F-4D97-AF65-F5344CB8AC3E}">
-        <p14:creationId xmlns:p14="http://schemas.microsoft.com/office/powerpoint/2010/main" val="2651340778"/>
+        <p14:creationId xmlns:p14="http://schemas.microsoft.com/office/powerpoint/2010/main" val="658730427"/>
       </p:ext>
     </p:extLst>
   </p:cSld>
@@ -4460,89 +4254,6 @@
       </p:sp>
       <p:pic>
         <p:nvPicPr>
-          <p:cNvPr id="3" name="Picture 2">
-            <a:extLst>
-              <a:ext uri="{FF2B5EF4-FFF2-40B4-BE49-F238E27FC236}">
-                <a16:creationId xmlns:a16="http://schemas.microsoft.com/office/drawing/2014/main" id="{A1F8AC04-7CA7-418F-994F-0B2AAD9E9183}"/>
-              </a:ext>
-            </a:extLst>
-          </p:cNvPr>
-          <p:cNvPicPr>
-            <a:picLocks noChangeAspect="1"/>
-          </p:cNvPicPr>
-          <p:nvPr/>
-        </p:nvPicPr>
-        <p:blipFill>
-          <a:blip r:embed="rId3"/>
-          <a:stretch>
-            <a:fillRect/>
-          </a:stretch>
-        </p:blipFill>
-        <p:spPr>
-          <a:xfrm>
-            <a:off x="1108623" y="983672"/>
-            <a:ext cx="10246562" cy="5612531"/>
-          </a:xfrm>
-          <a:prstGeom prst="rect">
-            <a:avLst/>
-          </a:prstGeom>
-        </p:spPr>
-      </p:pic>
-    </p:spTree>
-    <p:extLst>
-      <p:ext uri="{BB962C8B-B14F-4D97-AF65-F5344CB8AC3E}">
-        <p14:creationId xmlns:p14="http://schemas.microsoft.com/office/powerpoint/2010/main" val="1772426750"/>
-      </p:ext>
-    </p:extLst>
-  </p:cSld>
-  <p:clrMapOvr>
-    <a:masterClrMapping/>
-  </p:clrMapOvr>
-</p:sld>
-</file>
-
-<file path=ppt/slides/slide12.xml><?xml version="1.0" encoding="utf-8"?>
-<p:sld xmlns:a="http://schemas.openxmlformats.org/drawingml/2006/main" xmlns:r="http://schemas.openxmlformats.org/officeDocument/2006/relationships" xmlns:p="http://schemas.openxmlformats.org/presentationml/2006/main">
-  <p:cSld>
-    <p:spTree>
-      <p:nvGrpSpPr>
-        <p:cNvPr id="1" name=""/>
-        <p:cNvGrpSpPr/>
-        <p:nvPr/>
-      </p:nvGrpSpPr>
-      <p:grpSpPr>
-        <a:xfrm>
-          <a:off x="0" y="0"/>
-          <a:ext cx="0" cy="0"/>
-          <a:chOff x="0" y="0"/>
-          <a:chExt cx="0" cy="0"/>
-        </a:xfrm>
-      </p:grpSpPr>
-      <p:sp>
-        <p:nvSpPr>
-          <p:cNvPr id="2" name="Title 1"/>
-          <p:cNvSpPr>
-            <a:spLocks noGrp="1"/>
-          </p:cNvSpPr>
-          <p:nvPr>
-            <p:ph type="title"/>
-          </p:nvPr>
-        </p:nvSpPr>
-        <p:spPr/>
-        <p:txBody>
-          <a:bodyPr/>
-          <a:lstStyle/>
-          <a:p>
-            <a:r>
-              <a:rPr lang="en-US" dirty="0"/>
-              <a:t>Threading Module</a:t>
-            </a:r>
-            <a:endParaRPr lang="ru-RU" dirty="0"/>
-          </a:p>
-        </p:txBody>
-      </p:sp>
-      <p:pic>
-        <p:nvPicPr>
           <p:cNvPr id="5" name="Picture 4">
             <a:extLst>
               <a:ext uri="{FF2B5EF4-FFF2-40B4-BE49-F238E27FC236}">
@@ -4584,7 +4295,7 @@
 </p:sld>
 </file>
 
-<file path=ppt/slides/slide13.xml><?xml version="1.0" encoding="utf-8"?>
+<file path=ppt/slides/slide12.xml><?xml version="1.0" encoding="utf-8"?>
 <p:sld xmlns:a="http://schemas.openxmlformats.org/drawingml/2006/main" xmlns:r="http://schemas.openxmlformats.org/officeDocument/2006/relationships" xmlns:p="http://schemas.openxmlformats.org/presentationml/2006/main">
   <p:cSld>
     <p:spTree>
@@ -4667,7 +4378,7 @@
 </p:sld>
 </file>
 
-<file path=ppt/slides/slide14.xml><?xml version="1.0" encoding="utf-8"?>
+<file path=ppt/slides/slide13.xml><?xml version="1.0" encoding="utf-8"?>
 <p:sld xmlns:a="http://schemas.openxmlformats.org/drawingml/2006/main" xmlns:r="http://schemas.openxmlformats.org/officeDocument/2006/relationships" xmlns:p="http://schemas.openxmlformats.org/presentationml/2006/main">
   <p:cSld>
     <p:spTree>
@@ -4750,7 +4461,7 @@
 </p:sld>
 </file>
 
-<file path=ppt/slides/slide15.xml><?xml version="1.0" encoding="utf-8"?>
+<file path=ppt/slides/slide14.xml><?xml version="1.0" encoding="utf-8"?>
 <p:sld xmlns:a="http://schemas.openxmlformats.org/drawingml/2006/main" xmlns:r="http://schemas.openxmlformats.org/officeDocument/2006/relationships" xmlns:p="http://schemas.openxmlformats.org/presentationml/2006/main">
   <p:cSld>
     <p:spTree>
@@ -4833,7 +4544,7 @@
 </p:sld>
 </file>
 
-<file path=ppt/slides/slide16.xml><?xml version="1.0" encoding="utf-8"?>
+<file path=ppt/slides/slide15.xml><?xml version="1.0" encoding="utf-8"?>
 <p:sld xmlns:a="http://schemas.openxmlformats.org/drawingml/2006/main" xmlns:r="http://schemas.openxmlformats.org/officeDocument/2006/relationships" xmlns:p="http://schemas.openxmlformats.org/presentationml/2006/main">
   <p:cSld>
     <p:spTree>
@@ -4916,7 +4627,7 @@
 </p:sld>
 </file>
 
-<file path=ppt/slides/slide17.xml><?xml version="1.0" encoding="utf-8"?>
+<file path=ppt/slides/slide16.xml><?xml version="1.0" encoding="utf-8"?>
 <p:sld xmlns:a="http://schemas.openxmlformats.org/drawingml/2006/main" xmlns:r="http://schemas.openxmlformats.org/officeDocument/2006/relationships" xmlns:p="http://schemas.openxmlformats.org/presentationml/2006/main">
   <p:cSld>
     <p:spTree>
@@ -5077,7 +4788,7 @@
 </p:sld>
 </file>
 
-<file path=ppt/slides/slide18.xml><?xml version="1.0" encoding="utf-8"?>
+<file path=ppt/slides/slide17.xml><?xml version="1.0" encoding="utf-8"?>
 <p:sld xmlns:a="http://schemas.openxmlformats.org/drawingml/2006/main" xmlns:r="http://schemas.openxmlformats.org/officeDocument/2006/relationships" xmlns:p="http://schemas.openxmlformats.org/presentationml/2006/main">
   <p:cSld>
     <p:spTree>
@@ -5160,7 +4871,7 @@
 </p:sld>
 </file>
 
-<file path=ppt/slides/slide19.xml><?xml version="1.0" encoding="utf-8"?>
+<file path=ppt/slides/slide18.xml><?xml version="1.0" encoding="utf-8"?>
 <p:sld xmlns:a="http://schemas.openxmlformats.org/drawingml/2006/main" xmlns:r="http://schemas.openxmlformats.org/officeDocument/2006/relationships" xmlns:p="http://schemas.openxmlformats.org/presentationml/2006/main">
   <p:cSld>
     <p:spTree>
@@ -5243,159 +4954,7 @@
 </p:sld>
 </file>
 
-<file path=ppt/slides/slide2.xml><?xml version="1.0" encoding="utf-8"?>
-<p:sld xmlns:a="http://schemas.openxmlformats.org/drawingml/2006/main" xmlns:r="http://schemas.openxmlformats.org/officeDocument/2006/relationships" xmlns:p="http://schemas.openxmlformats.org/presentationml/2006/main">
-  <p:cSld>
-    <p:spTree>
-      <p:nvGrpSpPr>
-        <p:cNvPr id="1" name=""/>
-        <p:cNvGrpSpPr/>
-        <p:nvPr/>
-      </p:nvGrpSpPr>
-      <p:grpSpPr>
-        <a:xfrm>
-          <a:off x="0" y="0"/>
-          <a:ext cx="0" cy="0"/>
-          <a:chOff x="0" y="0"/>
-          <a:chExt cx="0" cy="0"/>
-        </a:xfrm>
-      </p:grpSpPr>
-      <p:sp>
-        <p:nvSpPr>
-          <p:cNvPr id="2" name="Title 1"/>
-          <p:cNvSpPr>
-            <a:spLocks noGrp="1"/>
-          </p:cNvSpPr>
-          <p:nvPr>
-            <p:ph type="title"/>
-          </p:nvPr>
-        </p:nvSpPr>
-        <p:spPr/>
-        <p:txBody>
-          <a:bodyPr/>
-          <a:lstStyle/>
-          <a:p>
-            <a:r>
-              <a:rPr lang="en-US" dirty="0"/>
-              <a:t>Table of content</a:t>
-            </a:r>
-            <a:endParaRPr lang="ru-RU" dirty="0"/>
-          </a:p>
-        </p:txBody>
-      </p:sp>
-      <p:sp>
-        <p:nvSpPr>
-          <p:cNvPr id="3" name="Content Placeholder 2"/>
-          <p:cNvSpPr>
-            <a:spLocks noGrp="1"/>
-          </p:cNvSpPr>
-          <p:nvPr>
-            <p:ph idx="1"/>
-          </p:nvPr>
-        </p:nvSpPr>
-        <p:spPr/>
-        <p:txBody>
-          <a:bodyPr>
-            <a:normAutofit/>
-          </a:bodyPr>
-          <a:lstStyle/>
-          <a:p>
-            <a:pPr marL="514350" indent="-514350">
-              <a:buFont typeface="+mj-lt"/>
-              <a:buAutoNum type="arabicPeriod"/>
-            </a:pPr>
-            <a:r>
-              <a:rPr lang="en-US" sz="3200" dirty="0"/>
-              <a:t>Threads </a:t>
-            </a:r>
-            <a:r>
-              <a:rPr lang="en-US" sz="3200" dirty="0" smtClean="0"/>
-              <a:t>Concept</a:t>
-            </a:r>
-          </a:p>
-          <a:p>
-            <a:pPr marL="514350" indent="-514350">
-              <a:buFont typeface="+mj-lt"/>
-              <a:buAutoNum type="arabicPeriod"/>
-            </a:pPr>
-            <a:r>
-              <a:rPr lang="en-US" sz="3200" dirty="0"/>
-              <a:t>Thread </a:t>
-            </a:r>
-            <a:r>
-              <a:rPr lang="en-US" sz="3200" dirty="0" smtClean="0"/>
-              <a:t>Basics</a:t>
-            </a:r>
-          </a:p>
-          <a:p>
-            <a:pPr marL="514350" indent="-514350">
-              <a:buFont typeface="+mj-lt"/>
-              <a:buAutoNum type="arabicPeriod"/>
-            </a:pPr>
-            <a:r>
-              <a:rPr lang="en-US" sz="3200" dirty="0"/>
-              <a:t>Threading </a:t>
-            </a:r>
-            <a:r>
-              <a:rPr lang="en-US" sz="3200" dirty="0" smtClean="0"/>
-              <a:t>Module</a:t>
-            </a:r>
-          </a:p>
-          <a:p>
-            <a:pPr marL="514350" indent="-514350">
-              <a:buFont typeface="+mj-lt"/>
-              <a:buAutoNum type="arabicPeriod"/>
-            </a:pPr>
-            <a:r>
-              <a:rPr lang="en-US" sz="3200" dirty="0"/>
-              <a:t>Functions as </a:t>
-            </a:r>
-            <a:r>
-              <a:rPr lang="en-US" sz="3200" dirty="0" smtClean="0"/>
-              <a:t>threads</a:t>
-            </a:r>
-          </a:p>
-          <a:p>
-            <a:pPr marL="514350" indent="-514350">
-              <a:buFont typeface="+mj-lt"/>
-              <a:buAutoNum type="arabicPeriod"/>
-            </a:pPr>
-            <a:r>
-              <a:rPr lang="en-US" sz="3200" dirty="0"/>
-              <a:t>Access to Shared </a:t>
-            </a:r>
-            <a:r>
-              <a:rPr lang="en-US" sz="3200" dirty="0" smtClean="0"/>
-              <a:t>Data</a:t>
-            </a:r>
-          </a:p>
-          <a:p>
-            <a:pPr marL="514350" indent="-514350">
-              <a:buFont typeface="+mj-lt"/>
-              <a:buAutoNum type="arabicPeriod"/>
-            </a:pPr>
-            <a:r>
-              <a:rPr lang="en-US" sz="3200"/>
-              <a:t>Race Conditions</a:t>
-            </a:r>
-            <a:endParaRPr lang="en-US" sz="3200" dirty="0"/>
-          </a:p>
-        </p:txBody>
-      </p:sp>
-    </p:spTree>
-    <p:extLst>
-      <p:ext uri="{BB962C8B-B14F-4D97-AF65-F5344CB8AC3E}">
-        <p14:creationId xmlns:p14="http://schemas.microsoft.com/office/powerpoint/2010/main" val="3209008152"/>
-      </p:ext>
-    </p:extLst>
-  </p:cSld>
-  <p:clrMapOvr>
-    <a:masterClrMapping/>
-  </p:clrMapOvr>
-</p:sld>
-</file>
-
-<file path=ppt/slides/slide20.xml><?xml version="1.0" encoding="utf-8"?>
+<file path=ppt/slides/slide19.xml><?xml version="1.0" encoding="utf-8"?>
 <p:sld xmlns:a="http://schemas.openxmlformats.org/drawingml/2006/main" xmlns:r="http://schemas.openxmlformats.org/officeDocument/2006/relationships" xmlns:p="http://schemas.openxmlformats.org/presentationml/2006/main">
   <p:cSld>
     <p:spTree>
@@ -5478,7 +5037,159 @@
 </p:sld>
 </file>
 
-<file path=ppt/slides/slide21.xml><?xml version="1.0" encoding="utf-8"?>
+<file path=ppt/slides/slide2.xml><?xml version="1.0" encoding="utf-8"?>
+<p:sld xmlns:a="http://schemas.openxmlformats.org/drawingml/2006/main" xmlns:r="http://schemas.openxmlformats.org/officeDocument/2006/relationships" xmlns:p="http://schemas.openxmlformats.org/presentationml/2006/main">
+  <p:cSld>
+    <p:spTree>
+      <p:nvGrpSpPr>
+        <p:cNvPr id="1" name=""/>
+        <p:cNvGrpSpPr/>
+        <p:nvPr/>
+      </p:nvGrpSpPr>
+      <p:grpSpPr>
+        <a:xfrm>
+          <a:off x="0" y="0"/>
+          <a:ext cx="0" cy="0"/>
+          <a:chOff x="0" y="0"/>
+          <a:chExt cx="0" cy="0"/>
+        </a:xfrm>
+      </p:grpSpPr>
+      <p:sp>
+        <p:nvSpPr>
+          <p:cNvPr id="2" name="Title 1"/>
+          <p:cNvSpPr>
+            <a:spLocks noGrp="1"/>
+          </p:cNvSpPr>
+          <p:nvPr>
+            <p:ph type="title"/>
+          </p:nvPr>
+        </p:nvSpPr>
+        <p:spPr/>
+        <p:txBody>
+          <a:bodyPr/>
+          <a:lstStyle/>
+          <a:p>
+            <a:r>
+              <a:rPr lang="en-US" dirty="0"/>
+              <a:t>Table of content</a:t>
+            </a:r>
+            <a:endParaRPr lang="ru-RU" dirty="0"/>
+          </a:p>
+        </p:txBody>
+      </p:sp>
+      <p:sp>
+        <p:nvSpPr>
+          <p:cNvPr id="3" name="Content Placeholder 2"/>
+          <p:cNvSpPr>
+            <a:spLocks noGrp="1"/>
+          </p:cNvSpPr>
+          <p:nvPr>
+            <p:ph idx="1"/>
+          </p:nvPr>
+        </p:nvSpPr>
+        <p:spPr/>
+        <p:txBody>
+          <a:bodyPr>
+            <a:normAutofit/>
+          </a:bodyPr>
+          <a:lstStyle/>
+          <a:p>
+            <a:pPr marL="514350" indent="-514350">
+              <a:buFont typeface="+mj-lt"/>
+              <a:buAutoNum type="arabicPeriod"/>
+            </a:pPr>
+            <a:r>
+              <a:rPr lang="en-US" sz="3200" dirty="0"/>
+              <a:t>Threads </a:t>
+            </a:r>
+            <a:r>
+              <a:rPr lang="en-US" sz="3200" dirty="0" smtClean="0"/>
+              <a:t>Concept</a:t>
+            </a:r>
+          </a:p>
+          <a:p>
+            <a:pPr marL="514350" indent="-514350">
+              <a:buFont typeface="+mj-lt"/>
+              <a:buAutoNum type="arabicPeriod"/>
+            </a:pPr>
+            <a:r>
+              <a:rPr lang="en-US" sz="3200" dirty="0"/>
+              <a:t>Thread </a:t>
+            </a:r>
+            <a:r>
+              <a:rPr lang="en-US" sz="3200" dirty="0" smtClean="0"/>
+              <a:t>Basics</a:t>
+            </a:r>
+          </a:p>
+          <a:p>
+            <a:pPr marL="514350" indent="-514350">
+              <a:buFont typeface="+mj-lt"/>
+              <a:buAutoNum type="arabicPeriod"/>
+            </a:pPr>
+            <a:r>
+              <a:rPr lang="en-US" sz="3200" dirty="0"/>
+              <a:t>Threading </a:t>
+            </a:r>
+            <a:r>
+              <a:rPr lang="en-US" sz="3200" dirty="0" smtClean="0"/>
+              <a:t>Module</a:t>
+            </a:r>
+          </a:p>
+          <a:p>
+            <a:pPr marL="514350" indent="-514350">
+              <a:buFont typeface="+mj-lt"/>
+              <a:buAutoNum type="arabicPeriod"/>
+            </a:pPr>
+            <a:r>
+              <a:rPr lang="en-US" sz="3200" dirty="0"/>
+              <a:t>Functions as </a:t>
+            </a:r>
+            <a:r>
+              <a:rPr lang="en-US" sz="3200" dirty="0" smtClean="0"/>
+              <a:t>threads</a:t>
+            </a:r>
+          </a:p>
+          <a:p>
+            <a:pPr marL="514350" indent="-514350">
+              <a:buFont typeface="+mj-lt"/>
+              <a:buAutoNum type="arabicPeriod"/>
+            </a:pPr>
+            <a:r>
+              <a:rPr lang="en-US" sz="3200" dirty="0"/>
+              <a:t>Access to Shared </a:t>
+            </a:r>
+            <a:r>
+              <a:rPr lang="en-US" sz="3200" dirty="0" smtClean="0"/>
+              <a:t>Data</a:t>
+            </a:r>
+          </a:p>
+          <a:p>
+            <a:pPr marL="514350" indent="-514350">
+              <a:buFont typeface="+mj-lt"/>
+              <a:buAutoNum type="arabicPeriod"/>
+            </a:pPr>
+            <a:r>
+              <a:rPr lang="en-US" sz="3200"/>
+              <a:t>Race Conditions</a:t>
+            </a:r>
+            <a:endParaRPr lang="en-US" sz="3200" dirty="0"/>
+          </a:p>
+        </p:txBody>
+      </p:sp>
+    </p:spTree>
+    <p:extLst>
+      <p:ext uri="{BB962C8B-B14F-4D97-AF65-F5344CB8AC3E}">
+        <p14:creationId xmlns:p14="http://schemas.microsoft.com/office/powerpoint/2010/main" val="3209008152"/>
+      </p:ext>
+    </p:extLst>
+  </p:cSld>
+  <p:clrMapOvr>
+    <a:masterClrMapping/>
+  </p:clrMapOvr>
+</p:sld>
+</file>
+
+<file path=ppt/slides/slide20.xml><?xml version="1.0" encoding="utf-8"?>
 <p:sld xmlns:a="http://schemas.openxmlformats.org/drawingml/2006/main" xmlns:r="http://schemas.openxmlformats.org/officeDocument/2006/relationships" xmlns:p="http://schemas.openxmlformats.org/presentationml/2006/main">
   <p:cSld>
     <p:spTree>
@@ -5561,7 +5272,7 @@
 </p:sld>
 </file>
 
-<file path=ppt/slides/slide22.xml><?xml version="1.0" encoding="utf-8"?>
+<file path=ppt/slides/slide21.xml><?xml version="1.0" encoding="utf-8"?>
 <p:sld xmlns:a="http://schemas.openxmlformats.org/drawingml/2006/main" xmlns:r="http://schemas.openxmlformats.org/officeDocument/2006/relationships" xmlns:p="http://schemas.openxmlformats.org/presentationml/2006/main">
   <p:cSld>
     <p:spTree>
@@ -5705,7 +5416,7 @@
 </p:sld>
 </file>
 
-<file path=ppt/slides/slide23.xml><?xml version="1.0" encoding="utf-8"?>
+<file path=ppt/slides/slide22.xml><?xml version="1.0" encoding="utf-8"?>
 <p:sld xmlns:a="http://schemas.openxmlformats.org/drawingml/2006/main" xmlns:r="http://schemas.openxmlformats.org/officeDocument/2006/relationships" xmlns:p="http://schemas.openxmlformats.org/presentationml/2006/main">
   <p:cSld>
     <p:spTree>
